--- a/fig/model/fig5.pptx
+++ b/fig/model/fig5.pptx
@@ -6,6 +6,7 @@
   </p:sldMasterIdLst>
   <p:sldIdLst>
     <p:sldId id="256" r:id="rId2"/>
+    <p:sldId id="257" r:id="rId3"/>
   </p:sldIdLst>
   <p:sldSz cx="12192000" cy="6858000"/>
   <p:notesSz cx="6858000" cy="9144000"/>
@@ -104,6 +105,11 @@
       </a:defRPr>
     </a:lvl9pPr>
   </p:defaultTextStyle>
+  <p:extLst>
+    <p:ext uri="{EFAFB233-063F-42B5-8137-9DF3F51BA10A}">
+      <p15:sldGuideLst xmlns:p15="http://schemas.microsoft.com/office/powerpoint/2012/main"/>
+    </p:ext>
+  </p:extLst>
 </p:presentation>
 </file>
 
@@ -254,7 +260,7 @@
           <a:p>
             <a:fld id="{5D744B28-DF63-436D-8485-FF4726C3CBD3}" type="datetimeFigureOut">
               <a:rPr kumimoji="1" lang="ja-JP" altLang="en-US" smtClean="0"/>
-              <a:t>2021/1/11</a:t>
+              <a:t>2021/1/20</a:t>
             </a:fld>
             <a:endParaRPr kumimoji="1" lang="ja-JP" altLang="en-US"/>
           </a:p>
@@ -484,7 +490,7 @@
           <a:p>
             <a:fld id="{5D744B28-DF63-436D-8485-FF4726C3CBD3}" type="datetimeFigureOut">
               <a:rPr kumimoji="1" lang="ja-JP" altLang="en-US" smtClean="0"/>
-              <a:t>2021/1/11</a:t>
+              <a:t>2021/1/20</a:t>
             </a:fld>
             <a:endParaRPr kumimoji="1" lang="ja-JP" altLang="en-US"/>
           </a:p>
@@ -724,7 +730,7 @@
           <a:p>
             <a:fld id="{5D744B28-DF63-436D-8485-FF4726C3CBD3}" type="datetimeFigureOut">
               <a:rPr kumimoji="1" lang="ja-JP" altLang="en-US" smtClean="0"/>
-              <a:t>2021/1/11</a:t>
+              <a:t>2021/1/20</a:t>
             </a:fld>
             <a:endParaRPr kumimoji="1" lang="ja-JP" altLang="en-US"/>
           </a:p>
@@ -954,7 +960,7 @@
           <a:p>
             <a:fld id="{5D744B28-DF63-436D-8485-FF4726C3CBD3}" type="datetimeFigureOut">
               <a:rPr kumimoji="1" lang="ja-JP" altLang="en-US" smtClean="0"/>
-              <a:t>2021/1/11</a:t>
+              <a:t>2021/1/20</a:t>
             </a:fld>
             <a:endParaRPr kumimoji="1" lang="ja-JP" altLang="en-US"/>
           </a:p>
@@ -1229,7 +1235,7 @@
           <a:p>
             <a:fld id="{5D744B28-DF63-436D-8485-FF4726C3CBD3}" type="datetimeFigureOut">
               <a:rPr kumimoji="1" lang="ja-JP" altLang="en-US" smtClean="0"/>
-              <a:t>2021/1/11</a:t>
+              <a:t>2021/1/20</a:t>
             </a:fld>
             <a:endParaRPr kumimoji="1" lang="ja-JP" altLang="en-US"/>
           </a:p>
@@ -1558,7 +1564,7 @@
           <a:p>
             <a:fld id="{5D744B28-DF63-436D-8485-FF4726C3CBD3}" type="datetimeFigureOut">
               <a:rPr kumimoji="1" lang="ja-JP" altLang="en-US" smtClean="0"/>
-              <a:t>2021/1/11</a:t>
+              <a:t>2021/1/20</a:t>
             </a:fld>
             <a:endParaRPr kumimoji="1" lang="ja-JP" altLang="en-US"/>
           </a:p>
@@ -2034,7 +2040,7 @@
           <a:p>
             <a:fld id="{5D744B28-DF63-436D-8485-FF4726C3CBD3}" type="datetimeFigureOut">
               <a:rPr kumimoji="1" lang="ja-JP" altLang="en-US" smtClean="0"/>
-              <a:t>2021/1/11</a:t>
+              <a:t>2021/1/20</a:t>
             </a:fld>
             <a:endParaRPr kumimoji="1" lang="ja-JP" altLang="en-US"/>
           </a:p>
@@ -2175,7 +2181,7 @@
           <a:p>
             <a:fld id="{5D744B28-DF63-436D-8485-FF4726C3CBD3}" type="datetimeFigureOut">
               <a:rPr kumimoji="1" lang="ja-JP" altLang="en-US" smtClean="0"/>
-              <a:t>2021/1/11</a:t>
+              <a:t>2021/1/20</a:t>
             </a:fld>
             <a:endParaRPr kumimoji="1" lang="ja-JP" altLang="en-US"/>
           </a:p>
@@ -2288,7 +2294,7 @@
           <a:p>
             <a:fld id="{5D744B28-DF63-436D-8485-FF4726C3CBD3}" type="datetimeFigureOut">
               <a:rPr kumimoji="1" lang="ja-JP" altLang="en-US" smtClean="0"/>
-              <a:t>2021/1/11</a:t>
+              <a:t>2021/1/20</a:t>
             </a:fld>
             <a:endParaRPr kumimoji="1" lang="ja-JP" altLang="en-US"/>
           </a:p>
@@ -2631,7 +2637,7 @@
           <a:p>
             <a:fld id="{5D744B28-DF63-436D-8485-FF4726C3CBD3}" type="datetimeFigureOut">
               <a:rPr kumimoji="1" lang="ja-JP" altLang="en-US" smtClean="0"/>
-              <a:t>2021/1/11</a:t>
+              <a:t>2021/1/20</a:t>
             </a:fld>
             <a:endParaRPr kumimoji="1" lang="ja-JP" altLang="en-US"/>
           </a:p>
@@ -2919,7 +2925,7 @@
           <a:p>
             <a:fld id="{5D744B28-DF63-436D-8485-FF4726C3CBD3}" type="datetimeFigureOut">
               <a:rPr kumimoji="1" lang="ja-JP" altLang="en-US" smtClean="0"/>
-              <a:t>2021/1/11</a:t>
+              <a:t>2021/1/20</a:t>
             </a:fld>
             <a:endParaRPr kumimoji="1" lang="ja-JP" altLang="en-US"/>
           </a:p>
@@ -3192,7 +3198,7 @@
           <a:p>
             <a:fld id="{5D744B28-DF63-436D-8485-FF4726C3CBD3}" type="datetimeFigureOut">
               <a:rPr kumimoji="1" lang="ja-JP" altLang="en-US" smtClean="0"/>
-              <a:t>2021/1/11</a:t>
+              <a:t>2021/1/20</a:t>
             </a:fld>
             <a:endParaRPr kumimoji="1" lang="ja-JP" altLang="en-US"/>
           </a:p>
@@ -3639,8 +3645,8 @@
           </a:prstGeom>
         </p:spPr>
       </p:pic>
-      <mc:AlternateContent xmlns:mc="http://schemas.openxmlformats.org/markup-compatibility/2006">
-        <mc:Choice xmlns:a14="http://schemas.microsoft.com/office/drawing/2010/main" Requires="a14">
+      <mc:AlternateContent xmlns:mc="http://schemas.openxmlformats.org/markup-compatibility/2006" xmlns:a14="http://schemas.microsoft.com/office/drawing/2010/main">
+        <mc:Choice Requires="a14">
           <p:sp>
             <p:nvSpPr>
               <p:cNvPr id="6" name="テキスト ボックス 5">
@@ -3669,6 +3675,7 @@
               </a:bodyPr>
               <a:lstStyle/>
               <a:p>
+                <a:pPr/>
                 <a14:m>
                   <m:oMathPara xmlns:m="http://schemas.openxmlformats.org/officeDocument/2006/math">
                     <m:oMathParaPr>
@@ -3708,7 +3715,7 @@
             </p:txBody>
           </p:sp>
         </mc:Choice>
-        <mc:Fallback>
+        <mc:Fallback xmlns="">
           <p:sp>
             <p:nvSpPr>
               <p:cNvPr id="6" name="テキスト ボックス 5">
@@ -3757,6 +3764,66 @@
     <p:extLst>
       <p:ext uri="{BB962C8B-B14F-4D97-AF65-F5344CB8AC3E}">
         <p14:creationId xmlns:p14="http://schemas.microsoft.com/office/powerpoint/2010/main" val="1235367379"/>
+      </p:ext>
+    </p:extLst>
+  </p:cSld>
+  <p:clrMapOvr>
+    <a:masterClrMapping/>
+  </p:clrMapOvr>
+</p:sld>
+</file>
+
+<file path=ppt/slides/slide2.xml><?xml version="1.0" encoding="utf-8"?>
+<p:sld xmlns:a="http://schemas.openxmlformats.org/drawingml/2006/main" xmlns:r="http://schemas.openxmlformats.org/officeDocument/2006/relationships" xmlns:p="http://schemas.openxmlformats.org/presentationml/2006/main">
+  <p:cSld>
+    <p:spTree>
+      <p:nvGrpSpPr>
+        <p:cNvPr id="1" name=""/>
+        <p:cNvGrpSpPr/>
+        <p:nvPr/>
+      </p:nvGrpSpPr>
+      <p:grpSpPr>
+        <a:xfrm>
+          <a:off x="0" y="0"/>
+          <a:ext cx="0" cy="0"/>
+          <a:chOff x="0" y="0"/>
+          <a:chExt cx="0" cy="0"/>
+        </a:xfrm>
+      </p:grpSpPr>
+      <p:pic>
+        <p:nvPicPr>
+          <p:cNvPr id="3" name="図 2">
+            <a:extLst>
+              <a:ext uri="{FF2B5EF4-FFF2-40B4-BE49-F238E27FC236}">
+                <a16:creationId xmlns:a16="http://schemas.microsoft.com/office/drawing/2014/main" id="{0FB56CC6-3BEB-46F4-87A5-E4E1B4BB0050}"/>
+              </a:ext>
+            </a:extLst>
+          </p:cNvPr>
+          <p:cNvPicPr>
+            <a:picLocks noChangeAspect="1"/>
+          </p:cNvPicPr>
+          <p:nvPr/>
+        </p:nvPicPr>
+        <p:blipFill>
+          <a:blip r:embed="rId2"/>
+          <a:stretch>
+            <a:fillRect/>
+          </a:stretch>
+        </p:blipFill>
+        <p:spPr>
+          <a:xfrm>
+            <a:off x="4209787" y="1604708"/>
+            <a:ext cx="3772426" cy="3648584"/>
+          </a:xfrm>
+          <a:prstGeom prst="rect">
+            <a:avLst/>
+          </a:prstGeom>
+        </p:spPr>
+      </p:pic>
+    </p:spTree>
+    <p:extLst>
+      <p:ext uri="{BB962C8B-B14F-4D97-AF65-F5344CB8AC3E}">
+        <p14:creationId xmlns:p14="http://schemas.microsoft.com/office/powerpoint/2010/main" val="293642455"/>
       </p:ext>
     </p:extLst>
   </p:cSld>
